--- a/(2019.01.18) 인공지능 프로그래밍 강의 소개.pptx
+++ b/(2019.01.18) 인공지능 프로그래밍 강의 소개.pptx
@@ -12,15 +12,16 @@
     <p:sldId id="260" r:id="rId6"/>
     <p:sldId id="261" r:id="rId7"/>
     <p:sldId id="262" r:id="rId8"/>
-    <p:sldId id="263" r:id="rId9"/>
-    <p:sldId id="264" r:id="rId10"/>
-    <p:sldId id="265" r:id="rId11"/>
-    <p:sldId id="266" r:id="rId12"/>
-    <p:sldId id="267" r:id="rId13"/>
-    <p:sldId id="268" r:id="rId14"/>
-    <p:sldId id="269" r:id="rId15"/>
-    <p:sldId id="270" r:id="rId16"/>
-    <p:sldId id="271" r:id="rId17"/>
+    <p:sldId id="272" r:id="rId9"/>
+    <p:sldId id="263" r:id="rId10"/>
+    <p:sldId id="264" r:id="rId11"/>
+    <p:sldId id="265" r:id="rId12"/>
+    <p:sldId id="266" r:id="rId13"/>
+    <p:sldId id="267" r:id="rId14"/>
+    <p:sldId id="268" r:id="rId15"/>
+    <p:sldId id="269" r:id="rId16"/>
+    <p:sldId id="270" r:id="rId17"/>
+    <p:sldId id="271" r:id="rId18"/>
   </p:sldIdLst>
   <p:sldSz cx="9144000" cy="6858000" type="screen4x3"/>
   <p:notesSz cx="6858000" cy="9144000"/>
@@ -3248,6 +3249,83 @@
           <a:chExt cx="0" cy="0"/>
         </a:xfrm>
       </p:grpSpPr>
+      <p:pic>
+        <p:nvPicPr>
+          <p:cNvPr id="3" name="Picture 2" descr="https://static01.nyt.com/images/2017/11/26/business/26ViewArt/26ViewArt-articleLarge.jpg?quality=75&amp;auto=webp&amp;disable=upscale"/>
+          <p:cNvPicPr>
+            <a:picLocks noChangeAspect="1" noChangeArrowheads="1"/>
+          </p:cNvPicPr>
+          <p:nvPr/>
+        </p:nvPicPr>
+        <p:blipFill>
+          <a:blip r:embed="rId2">
+            <a:extLst>
+              <a:ext uri="{28A0092B-C50C-407E-A947-70E740481C1C}">
+                <a14:useLocalDpi xmlns:a14="http://schemas.microsoft.com/office/drawing/2010/main" val="0"/>
+              </a:ext>
+            </a:extLst>
+          </a:blip>
+          <a:stretch>
+            <a:fillRect/>
+          </a:stretch>
+        </p:blipFill>
+        <p:spPr bwMode="auto">
+          <a:xfrm>
+            <a:off x="1763688" y="764704"/>
+            <a:ext cx="5715000" cy="5715000"/>
+          </a:xfrm>
+          <a:prstGeom prst="rect">
+            <a:avLst/>
+          </a:prstGeom>
+          <a:noFill/>
+          <a:extLst>
+            <a:ext uri="{909E8E84-426E-40DD-AFC4-6F175D3DCCD1}">
+              <a14:hiddenFill xmlns:a14="http://schemas.microsoft.com/office/drawing/2010/main">
+                <a:solidFill>
+                  <a:srgbClr val="FFFFFF"/>
+                </a:solidFill>
+              </a14:hiddenFill>
+            </a:ext>
+          </a:extLst>
+        </p:spPr>
+      </p:pic>
+    </p:spTree>
+    <p:extLst>
+      <p:ext uri="{BB962C8B-B14F-4D97-AF65-F5344CB8AC3E}">
+        <p14:creationId xmlns:p14="http://schemas.microsoft.com/office/powerpoint/2010/main" val="2572550587"/>
+      </p:ext>
+    </p:extLst>
+  </p:cSld>
+  <p:clrMapOvr>
+    <a:masterClrMapping/>
+  </p:clrMapOvr>
+  <p:timing>
+    <p:tnLst>
+      <p:par>
+        <p:cTn id="1" dur="indefinite" restart="never" nodeType="tmRoot"/>
+      </p:par>
+    </p:tnLst>
+  </p:timing>
+</p:sld>
+</file>
+
+<file path=ppt/slides/slide11.xml><?xml version="1.0" encoding="utf-8"?>
+<p:sld xmlns:a="http://schemas.openxmlformats.org/drawingml/2006/main" xmlns:r="http://schemas.openxmlformats.org/officeDocument/2006/relationships" xmlns:p="http://schemas.openxmlformats.org/presentationml/2006/main">
+  <p:cSld>
+    <p:spTree>
+      <p:nvGrpSpPr>
+        <p:cNvPr id="1" name=""/>
+        <p:cNvGrpSpPr/>
+        <p:nvPr/>
+      </p:nvGrpSpPr>
+      <p:grpSpPr>
+        <a:xfrm>
+          <a:off x="0" y="0"/>
+          <a:ext cx="0" cy="0"/>
+          <a:chOff x="0" y="0"/>
+          <a:chExt cx="0" cy="0"/>
+        </a:xfrm>
+      </p:grpSpPr>
       <p:sp>
         <p:nvSpPr>
           <p:cNvPr id="3" name="제목 2"/>
@@ -3351,7 +3429,7 @@
 </p:sld>
 </file>
 
-<file path=ppt/slides/slide11.xml><?xml version="1.0" encoding="utf-8"?>
+<file path=ppt/slides/slide12.xml><?xml version="1.0" encoding="utf-8"?>
 <p:sld xmlns:a="http://schemas.openxmlformats.org/drawingml/2006/main" xmlns:r="http://schemas.openxmlformats.org/officeDocument/2006/relationships" xmlns:p="http://schemas.openxmlformats.org/presentationml/2006/main">
   <p:cSld>
     <p:spTree>
@@ -3632,7 +3710,15 @@
             <a:pPr lvl="1"/>
             <a:r>
               <a:rPr lang="ko-KR" altLang="en-US" sz="1600" smtClean="0"/>
-              <a:t>환경과 사물</a:t>
+              <a:t>환경과 </a:t>
+            </a:r>
+            <a:r>
+              <a:rPr lang="ko-KR" altLang="en-US" sz="1600" smtClean="0"/>
+              <a:t>생</a:t>
+            </a:r>
+            <a:r>
+              <a:rPr lang="ko-KR" altLang="en-US" sz="1600"/>
+              <a:t>명</a:t>
             </a:r>
             <a:endParaRPr lang="ko-KR" altLang="en-US" sz="1600"/>
           </a:p>
@@ -3654,15 +3740,14 @@
               </a:ext>
             </a:extLst>
           </a:blip>
-          <a:srcRect/>
           <a:stretch>
             <a:fillRect/>
           </a:stretch>
         </p:blipFill>
         <p:spPr bwMode="auto">
           <a:xfrm flipH="1">
-            <a:off x="5220072" y="4437112"/>
-            <a:ext cx="3528392" cy="1924051"/>
+            <a:off x="5861720" y="4486072"/>
+            <a:ext cx="2814736" cy="1895256"/>
           </a:xfrm>
           <a:prstGeom prst="rect">
             <a:avLst/>
@@ -3699,7 +3784,7 @@
 </p:sld>
 </file>
 
-<file path=ppt/slides/slide12.xml><?xml version="1.0" encoding="utf-8"?>
+<file path=ppt/slides/slide13.xml><?xml version="1.0" encoding="utf-8"?>
 <p:sld xmlns:a="http://schemas.openxmlformats.org/drawingml/2006/main" xmlns:r="http://schemas.openxmlformats.org/officeDocument/2006/relationships" xmlns:p="http://schemas.openxmlformats.org/presentationml/2006/main">
   <p:cSld>
     <p:spTree>
@@ -3732,7 +3817,6 @@
               </a:ext>
             </a:extLst>
           </a:blip>
-          <a:srcRect/>
           <a:stretch>
             <a:fillRect/>
           </a:stretch>
@@ -4096,7 +4180,7 @@
 </p:sld>
 </file>
 
-<file path=ppt/slides/slide13.xml><?xml version="1.0" encoding="utf-8"?>
+<file path=ppt/slides/slide14.xml><?xml version="1.0" encoding="utf-8"?>
 <p:sld xmlns:a="http://schemas.openxmlformats.org/drawingml/2006/main" xmlns:r="http://schemas.openxmlformats.org/officeDocument/2006/relationships" xmlns:p="http://schemas.openxmlformats.org/presentationml/2006/main">
   <p:cSld>
     <p:spTree>
@@ -4199,7 +4283,7 @@
         <p:spPr>
           <a:xfrm>
             <a:off x="1547664" y="5157192"/>
-            <a:ext cx="6296917" cy="369332"/>
+            <a:ext cx="6066084" cy="369332"/>
           </a:xfrm>
           <a:prstGeom prst="rect">
             <a:avLst/>
@@ -4218,7 +4302,15 @@
             </a:r>
             <a:r>
               <a:rPr lang="ko-KR" altLang="en-US" smtClean="0"/>
-              <a:t>저자의 고백 </a:t>
+              <a:t>저자의 </a:t>
+            </a:r>
+            <a:r>
+              <a:rPr lang="ko-KR" altLang="en-US"/>
+              <a:t>말</a:t>
+            </a:r>
+            <a:r>
+              <a:rPr lang="ko-KR" altLang="en-US" smtClean="0"/>
+              <a:t> </a:t>
             </a:r>
             <a:r>
               <a:rPr lang="en-US" altLang="ko-KR" smtClean="0"/>
@@ -4252,7 +4344,7 @@
 </p:sld>
 </file>
 
-<file path=ppt/slides/slide14.xml><?xml version="1.0" encoding="utf-8"?>
+<file path=ppt/slides/slide15.xml><?xml version="1.0" encoding="utf-8"?>
 <p:sld xmlns:a="http://schemas.openxmlformats.org/drawingml/2006/main" xmlns:r="http://schemas.openxmlformats.org/officeDocument/2006/relationships" xmlns:p="http://schemas.openxmlformats.org/presentationml/2006/main">
   <p:cSld>
     <p:spTree>
@@ -4447,7 +4539,7 @@
 </p:sld>
 </file>
 
-<file path=ppt/slides/slide15.xml><?xml version="1.0" encoding="utf-8"?>
+<file path=ppt/slides/slide16.xml><?xml version="1.0" encoding="utf-8"?>
 <p:sld xmlns:a="http://schemas.openxmlformats.org/drawingml/2006/main" xmlns:r="http://schemas.openxmlformats.org/officeDocument/2006/relationships" xmlns:p="http://schemas.openxmlformats.org/presentationml/2006/main">
   <p:cSld>
     <p:spTree>
@@ -4593,7 +4685,7 @@
 </p:sld>
 </file>
 
-<file path=ppt/slides/slide16.xml><?xml version="1.0" encoding="utf-8"?>
+<file path=ppt/slides/slide17.xml><?xml version="1.0" encoding="utf-8"?>
 <p:sld xmlns:a="http://schemas.openxmlformats.org/drawingml/2006/main" xmlns:r="http://schemas.openxmlformats.org/officeDocument/2006/relationships" xmlns:p="http://schemas.openxmlformats.org/presentationml/2006/main">
   <p:cSld>
     <p:spTree>
@@ -4675,11 +4767,7 @@
           <a:p>
             <a:r>
               <a:rPr lang="ko-KR" altLang="en-US" smtClean="0"/>
-              <a:t>프로그래밍 </a:t>
-            </a:r>
-            <a:r>
-              <a:rPr lang="ko-KR" altLang="en-US" smtClean="0"/>
-              <a:t>도구 </a:t>
+              <a:t>프로그래밍 도구 </a:t>
             </a:r>
             <a:endParaRPr lang="ko-KR" altLang="en-US"/>
           </a:p>
@@ -5806,6 +5894,47 @@
           </a:p>
         </p:txBody>
       </p:sp>
+      <p:pic>
+        <p:nvPicPr>
+          <p:cNvPr id="1028" name="Picture 4" descr="peanuts schoolì ëí ì´ë¯¸ì§ ê²ìê²°ê³¼"/>
+          <p:cNvPicPr>
+            <a:picLocks noChangeAspect="1" noChangeArrowheads="1"/>
+          </p:cNvPicPr>
+          <p:nvPr/>
+        </p:nvPicPr>
+        <p:blipFill>
+          <a:blip r:embed="rId2">
+            <a:extLst>
+              <a:ext uri="{28A0092B-C50C-407E-A947-70E740481C1C}">
+                <a14:useLocalDpi xmlns:a14="http://schemas.microsoft.com/office/drawing/2010/main" val="0"/>
+              </a:ext>
+            </a:extLst>
+          </a:blip>
+          <a:srcRect/>
+          <a:stretch>
+            <a:fillRect/>
+          </a:stretch>
+        </p:blipFill>
+        <p:spPr bwMode="auto">
+          <a:xfrm flipH="1">
+            <a:off x="6300192" y="4293096"/>
+            <a:ext cx="2247900" cy="1828800"/>
+          </a:xfrm>
+          <a:prstGeom prst="rect">
+            <a:avLst/>
+          </a:prstGeom>
+          <a:noFill/>
+          <a:extLst>
+            <a:ext uri="{909E8E84-426E-40DD-AFC4-6F175D3DCCD1}">
+              <a14:hiddenFill xmlns:a14="http://schemas.microsoft.com/office/drawing/2010/main">
+                <a:solidFill>
+                  <a:srgbClr val="FFFFFF"/>
+                </a:solidFill>
+              </a14:hiddenFill>
+            </a:ext>
+          </a:extLst>
+        </p:spPr>
+      </p:pic>
     </p:spTree>
     <p:extLst>
       <p:ext uri="{BB962C8B-B14F-4D97-AF65-F5344CB8AC3E}">
@@ -7897,6 +8026,219 @@
 </file>
 
 <file path=ppt/slides/slide8.xml><?xml version="1.0" encoding="utf-8"?>
+<p:sld xmlns:a="http://schemas.openxmlformats.org/drawingml/2006/main" xmlns:r="http://schemas.openxmlformats.org/officeDocument/2006/relationships" xmlns:p="http://schemas.openxmlformats.org/presentationml/2006/main">
+  <p:cSld>
+    <p:spTree>
+      <p:nvGrpSpPr>
+        <p:cNvPr id="1" name=""/>
+        <p:cNvGrpSpPr/>
+        <p:nvPr/>
+      </p:nvGrpSpPr>
+      <p:grpSpPr>
+        <a:xfrm>
+          <a:off x="0" y="0"/>
+          <a:ext cx="0" cy="0"/>
+          <a:chOff x="0" y="0"/>
+          <a:chExt cx="0" cy="0"/>
+        </a:xfrm>
+      </p:grpSpPr>
+      <p:sp>
+        <p:nvSpPr>
+          <p:cNvPr id="2" name="제목 1"/>
+          <p:cNvSpPr>
+            <a:spLocks noGrp="1"/>
+          </p:cNvSpPr>
+          <p:nvPr>
+            <p:ph type="title"/>
+          </p:nvPr>
+        </p:nvSpPr>
+        <p:spPr/>
+        <p:txBody>
+          <a:bodyPr/>
+          <a:lstStyle/>
+          <a:p>
+            <a:r>
+              <a:rPr lang="ko-KR" altLang="en-US" smtClean="0"/>
+              <a:t>학습 관리</a:t>
+            </a:r>
+            <a:endParaRPr lang="ko-KR" altLang="en-US"/>
+          </a:p>
+        </p:txBody>
+      </p:sp>
+      <p:sp>
+        <p:nvSpPr>
+          <p:cNvPr id="3" name="내용 개체 틀 2"/>
+          <p:cNvSpPr>
+            <a:spLocks noGrp="1"/>
+          </p:cNvSpPr>
+          <p:nvPr>
+            <p:ph idx="1"/>
+          </p:nvPr>
+        </p:nvSpPr>
+        <p:spPr/>
+        <p:txBody>
+          <a:bodyPr>
+            <a:normAutofit/>
+          </a:bodyPr>
+          <a:lstStyle/>
+          <a:p>
+            <a:r>
+              <a:rPr lang="en-US" altLang="ko-KR" sz="2000" smtClean="0"/>
+              <a:t>“</a:t>
+            </a:r>
+            <a:r>
+              <a:rPr lang="en-US" altLang="ko-KR" sz="2000"/>
+              <a:t>c:\</a:t>
+            </a:r>
+            <a:r>
+              <a:rPr lang="ko-KR" altLang="en-US" sz="2000"/>
+              <a:t>인공지능 </a:t>
+            </a:r>
+            <a:r>
+              <a:rPr lang="ko-KR" altLang="en-US" sz="2000" smtClean="0"/>
+              <a:t>프로그래밍</a:t>
+            </a:r>
+            <a:r>
+              <a:rPr lang="en-US" altLang="ko-KR" sz="2000" smtClean="0"/>
+              <a:t>” </a:t>
+            </a:r>
+            <a:r>
+              <a:rPr lang="ko-KR" altLang="en-US" sz="2000" smtClean="0"/>
+              <a:t>폴더 생성</a:t>
+            </a:r>
+            <a:endParaRPr lang="en-US" altLang="ko-KR" sz="2000" smtClean="0"/>
+          </a:p>
+          <a:p>
+            <a:pPr lvl="1"/>
+            <a:r>
+              <a:rPr lang="ko-KR" altLang="en-US" sz="2000" smtClean="0"/>
+              <a:t>강의에 필요한 모든 파일을 이 폴더 아래에 저장</a:t>
+            </a:r>
+            <a:endParaRPr lang="en-US" altLang="ko-KR" sz="2000" smtClean="0"/>
+          </a:p>
+          <a:p>
+            <a:pPr lvl="1"/>
+            <a:endParaRPr lang="en-US" altLang="ko-KR" sz="2000" smtClean="0"/>
+          </a:p>
+          <a:p>
+            <a:r>
+              <a:rPr lang="en-US" altLang="ko-KR" sz="2000" smtClean="0"/>
+              <a:t>“</a:t>
+            </a:r>
+            <a:r>
+              <a:rPr lang="en-US" altLang="ko-KR" sz="2000"/>
+              <a:t>c:\</a:t>
+            </a:r>
+            <a:r>
+              <a:rPr lang="ko-KR" altLang="en-US" sz="2000"/>
+              <a:t>인공지능 </a:t>
+            </a:r>
+            <a:r>
+              <a:rPr lang="ko-KR" altLang="en-US" sz="2000"/>
+              <a:t>프로그래밍</a:t>
+            </a:r>
+            <a:r>
+              <a:rPr lang="en-US" altLang="ko-KR" sz="2000" smtClean="0"/>
+              <a:t>\</a:t>
+            </a:r>
+            <a:r>
+              <a:rPr lang="ko-KR" altLang="en-US" sz="2000" smtClean="0"/>
+              <a:t>학습내용</a:t>
+            </a:r>
+            <a:r>
+              <a:rPr lang="en-US" altLang="ko-KR" sz="2000" smtClean="0"/>
+              <a:t>” </a:t>
+            </a:r>
+            <a:r>
+              <a:rPr lang="ko-KR" altLang="en-US" sz="2000" smtClean="0"/>
+              <a:t>폴더 생성</a:t>
+            </a:r>
+            <a:endParaRPr lang="en-US" altLang="ko-KR" sz="2000" smtClean="0"/>
+          </a:p>
+          <a:p>
+            <a:pPr lvl="1"/>
+            <a:r>
+              <a:rPr lang="ko-KR" altLang="en-US" sz="2000" smtClean="0"/>
+              <a:t>매주 수업 종료시 강의시간에 작업한 내용을 저장</a:t>
+            </a:r>
+            <a:endParaRPr lang="en-US" altLang="ko-KR" sz="2000" smtClean="0"/>
+          </a:p>
+          <a:p>
+            <a:pPr lvl="1"/>
+            <a:r>
+              <a:rPr lang="en-US" altLang="ko-KR" sz="2000" smtClean="0"/>
+              <a:t>“1</a:t>
+            </a:r>
+            <a:r>
+              <a:rPr lang="ko-KR" altLang="en-US" sz="2000" smtClean="0"/>
+              <a:t>주차</a:t>
+            </a:r>
+            <a:r>
+              <a:rPr lang="en-US" altLang="ko-KR" sz="2000" smtClean="0"/>
+              <a:t>”, “2</a:t>
+            </a:r>
+            <a:r>
+              <a:rPr lang="ko-KR" altLang="en-US" sz="2000" smtClean="0"/>
+              <a:t>주차</a:t>
+            </a:r>
+            <a:r>
+              <a:rPr lang="en-US" altLang="ko-KR" sz="2000" smtClean="0"/>
+              <a:t>” </a:t>
+            </a:r>
+            <a:r>
+              <a:rPr lang="ko-KR" altLang="en-US" sz="2000" smtClean="0"/>
+              <a:t>와 같이 서브폴더를 생성</a:t>
+            </a:r>
+            <a:endParaRPr lang="en-US" altLang="ko-KR" sz="2000" smtClean="0"/>
+          </a:p>
+          <a:p>
+            <a:pPr lvl="1"/>
+            <a:r>
+              <a:rPr lang="en-US" altLang="ko-KR" sz="2000" smtClean="0"/>
+              <a:t>“c:\</a:t>
+            </a:r>
+            <a:r>
+              <a:rPr lang="ko-KR" altLang="en-US" sz="2000" smtClean="0"/>
+              <a:t>인공지능 프로그래밍</a:t>
+            </a:r>
+            <a:r>
+              <a:rPr lang="en-US" altLang="ko-KR" sz="2000" smtClean="0"/>
+              <a:t>\</a:t>
+            </a:r>
+            <a:r>
+              <a:rPr lang="ko-KR" altLang="en-US" sz="2000" smtClean="0"/>
+              <a:t>학습내용</a:t>
+            </a:r>
+            <a:r>
+              <a:rPr lang="en-US" altLang="ko-KR" sz="2000" smtClean="0"/>
+              <a:t>\1</a:t>
+            </a:r>
+            <a:r>
+              <a:rPr lang="ko-KR" altLang="en-US" sz="2000" smtClean="0"/>
+              <a:t>주차</a:t>
+            </a:r>
+            <a:r>
+              <a:rPr lang="en-US" altLang="ko-KR" sz="2000" smtClean="0"/>
+              <a:t>”</a:t>
+            </a:r>
+            <a:endParaRPr lang="ko-KR" altLang="en-US" sz="2000"/>
+          </a:p>
+        </p:txBody>
+      </p:sp>
+    </p:spTree>
+    <p:extLst>
+      <p:ext uri="{BB962C8B-B14F-4D97-AF65-F5344CB8AC3E}">
+        <p14:creationId xmlns:p14="http://schemas.microsoft.com/office/powerpoint/2010/main" val="1954913945"/>
+      </p:ext>
+    </p:extLst>
+  </p:cSld>
+  <p:clrMapOvr>
+    <a:masterClrMapping/>
+  </p:clrMapOvr>
+</p:sld>
+</file>
+
+<file path=ppt/slides/slide9.xml><?xml version="1.0" encoding="utf-8"?>
 <p:sld xmlns:a="http://schemas.openxmlformats.org/drawingml/2006/main" xmlns:r="http://schemas.openxmlformats.org/officeDocument/2006/relationships" xmlns:p="http://schemas.openxmlformats.org/presentationml/2006/main">
   <p:cSld>
     <p:spTree>
@@ -8186,83 +8528,6 @@
     <p:extLst>
       <p:ext uri="{BB962C8B-B14F-4D97-AF65-F5344CB8AC3E}">
         <p14:creationId xmlns:p14="http://schemas.microsoft.com/office/powerpoint/2010/main" val="2952922604"/>
-      </p:ext>
-    </p:extLst>
-  </p:cSld>
-  <p:clrMapOvr>
-    <a:masterClrMapping/>
-  </p:clrMapOvr>
-  <p:timing>
-    <p:tnLst>
-      <p:par>
-        <p:cTn id="1" dur="indefinite" restart="never" nodeType="tmRoot"/>
-      </p:par>
-    </p:tnLst>
-  </p:timing>
-</p:sld>
-</file>
-
-<file path=ppt/slides/slide9.xml><?xml version="1.0" encoding="utf-8"?>
-<p:sld xmlns:a="http://schemas.openxmlformats.org/drawingml/2006/main" xmlns:r="http://schemas.openxmlformats.org/officeDocument/2006/relationships" xmlns:p="http://schemas.openxmlformats.org/presentationml/2006/main">
-  <p:cSld>
-    <p:spTree>
-      <p:nvGrpSpPr>
-        <p:cNvPr id="1" name=""/>
-        <p:cNvGrpSpPr/>
-        <p:nvPr/>
-      </p:nvGrpSpPr>
-      <p:grpSpPr>
-        <a:xfrm>
-          <a:off x="0" y="0"/>
-          <a:ext cx="0" cy="0"/>
-          <a:chOff x="0" y="0"/>
-          <a:chExt cx="0" cy="0"/>
-        </a:xfrm>
-      </p:grpSpPr>
-      <p:pic>
-        <p:nvPicPr>
-          <p:cNvPr id="3" name="Picture 2" descr="https://static01.nyt.com/images/2017/11/26/business/26ViewArt/26ViewArt-articleLarge.jpg?quality=75&amp;auto=webp&amp;disable=upscale"/>
-          <p:cNvPicPr>
-            <a:picLocks noChangeAspect="1" noChangeArrowheads="1"/>
-          </p:cNvPicPr>
-          <p:nvPr/>
-        </p:nvPicPr>
-        <p:blipFill>
-          <a:blip r:embed="rId2">
-            <a:extLst>
-              <a:ext uri="{28A0092B-C50C-407E-A947-70E740481C1C}">
-                <a14:useLocalDpi xmlns:a14="http://schemas.microsoft.com/office/drawing/2010/main" val="0"/>
-              </a:ext>
-            </a:extLst>
-          </a:blip>
-          <a:stretch>
-            <a:fillRect/>
-          </a:stretch>
-        </p:blipFill>
-        <p:spPr bwMode="auto">
-          <a:xfrm>
-            <a:off x="1763688" y="764704"/>
-            <a:ext cx="5715000" cy="5715000"/>
-          </a:xfrm>
-          <a:prstGeom prst="rect">
-            <a:avLst/>
-          </a:prstGeom>
-          <a:noFill/>
-          <a:extLst>
-            <a:ext uri="{909E8E84-426E-40DD-AFC4-6F175D3DCCD1}">
-              <a14:hiddenFill xmlns:a14="http://schemas.microsoft.com/office/drawing/2010/main">
-                <a:solidFill>
-                  <a:srgbClr val="FFFFFF"/>
-                </a:solidFill>
-              </a14:hiddenFill>
-            </a:ext>
-          </a:extLst>
-        </p:spPr>
-      </p:pic>
-    </p:spTree>
-    <p:extLst>
-      <p:ext uri="{BB962C8B-B14F-4D97-AF65-F5344CB8AC3E}">
-        <p14:creationId xmlns:p14="http://schemas.microsoft.com/office/powerpoint/2010/main" val="2572550587"/>
       </p:ext>
     </p:extLst>
   </p:cSld>
